--- a/Notes/Powerpoints/TemplateMethod.pptx
+++ b/Notes/Powerpoints/TemplateMethod.pptx
@@ -7,9 +7,9 @@
   <p:sldIdLst>
     <p:sldId id="266" r:id="rId2"/>
     <p:sldId id="256" r:id="rId3"/>
-    <p:sldId id="267" r:id="rId4"/>
-    <p:sldId id="258" r:id="rId5"/>
-    <p:sldId id="265" r:id="rId6"/>
+    <p:sldId id="258" r:id="rId4"/>
+    <p:sldId id="265" r:id="rId5"/>
+    <p:sldId id="267" r:id="rId6"/>
   </p:sldIdLst>
   <p:sldSz cx="12192000" cy="6858000"/>
   <p:notesSz cx="6858000" cy="9144000"/>
@@ -1227,7 +1227,7 @@
             <a:fld id="{B61BEF0D-F0BB-DE4B-95CE-6DB70DBA9567}" type="datetimeFigureOut">
               <a:rPr lang="en-US" dirty="0"/>
               <a:pPr/>
-              <a:t>1/30/2020</a:t>
+              <a:t>7/23/2020</a:t>
             </a:fld>
             <a:endParaRPr lang="en-US" dirty="0"/>
           </a:p>
@@ -1475,7 +1475,7 @@
             <a:fld id="{B61BEF0D-F0BB-DE4B-95CE-6DB70DBA9567}" type="datetimeFigureOut">
               <a:rPr lang="en-US" dirty="0"/>
               <a:pPr/>
-              <a:t>1/30/2020</a:t>
+              <a:t>7/23/2020</a:t>
             </a:fld>
             <a:endParaRPr lang="en-US" dirty="0"/>
           </a:p>
@@ -1786,7 +1786,7 @@
             <a:fld id="{B61BEF0D-F0BB-DE4B-95CE-6DB70DBA9567}" type="datetimeFigureOut">
               <a:rPr lang="en-US" dirty="0"/>
               <a:pPr/>
-              <a:t>1/30/2020</a:t>
+              <a:t>7/23/2020</a:t>
             </a:fld>
             <a:endParaRPr lang="en-US" dirty="0"/>
           </a:p>
@@ -2124,7 +2124,7 @@
             <a:fld id="{B61BEF0D-F0BB-DE4B-95CE-6DB70DBA9567}" type="datetimeFigureOut">
               <a:rPr lang="en-US" dirty="0"/>
               <a:pPr/>
-              <a:t>1/30/2020</a:t>
+              <a:t>7/23/2020</a:t>
             </a:fld>
             <a:endParaRPr lang="en-US" dirty="0"/>
           </a:p>
@@ -2435,7 +2435,7 @@
             <a:fld id="{B61BEF0D-F0BB-DE4B-95CE-6DB70DBA9567}" type="datetimeFigureOut">
               <a:rPr lang="en-US" dirty="0"/>
               <a:pPr/>
-              <a:t>1/30/2020</a:t>
+              <a:t>7/23/2020</a:t>
             </a:fld>
             <a:endParaRPr lang="en-US" dirty="0"/>
           </a:p>
@@ -2825,7 +2825,7 @@
             <a:fld id="{B61BEF0D-F0BB-DE4B-95CE-6DB70DBA9567}" type="datetimeFigureOut">
               <a:rPr lang="en-US" dirty="0"/>
               <a:pPr/>
-              <a:t>1/30/2020</a:t>
+              <a:t>7/23/2020</a:t>
             </a:fld>
             <a:endParaRPr lang="en-US" dirty="0"/>
           </a:p>
@@ -2991,7 +2991,7 @@
           <a:p>
             <a:fld id="{55C6B4A9-1611-4792-9094-5F34BCA07E0B}" type="datetimeFigureOut">
               <a:rPr lang="en-US" dirty="0"/>
-              <a:t>1/30/2020</a:t>
+              <a:t>7/23/2020</a:t>
             </a:fld>
             <a:endParaRPr lang="en-US" dirty="0"/>
           </a:p>
@@ -3167,7 +3167,7 @@
             <a:fld id="{B61BEF0D-F0BB-DE4B-95CE-6DB70DBA9567}" type="datetimeFigureOut">
               <a:rPr lang="en-US" dirty="0"/>
               <a:pPr/>
-              <a:t>1/30/2020</a:t>
+              <a:t>7/23/2020</a:t>
             </a:fld>
             <a:endParaRPr lang="en-US" dirty="0"/>
           </a:p>
@@ -3340,7 +3340,7 @@
             <a:fld id="{B61BEF0D-F0BB-DE4B-95CE-6DB70DBA9567}" type="datetimeFigureOut">
               <a:rPr lang="en-US" dirty="0"/>
               <a:pPr/>
-              <a:t>1/30/2020</a:t>
+              <a:t>7/23/2020</a:t>
             </a:fld>
             <a:endParaRPr lang="en-US" dirty="0"/>
           </a:p>
@@ -3584,7 +3584,7 @@
             <a:fld id="{B61BEF0D-F0BB-DE4B-95CE-6DB70DBA9567}" type="datetimeFigureOut">
               <a:rPr lang="en-US" dirty="0"/>
               <a:pPr/>
-              <a:t>1/30/2020</a:t>
+              <a:t>7/23/2020</a:t>
             </a:fld>
             <a:endParaRPr lang="en-US" dirty="0"/>
           </a:p>
@@ -3812,7 +3812,7 @@
           <a:p>
             <a:fld id="{EB712588-04B1-427B-82EE-E8DB90309F08}" type="datetimeFigureOut">
               <a:rPr lang="en-US" dirty="0"/>
-              <a:t>1/30/2020</a:t>
+              <a:t>7/23/2020</a:t>
             </a:fld>
             <a:endParaRPr lang="en-US" dirty="0"/>
           </a:p>
@@ -4182,7 +4182,7 @@
             <a:fld id="{B61BEF0D-F0BB-DE4B-95CE-6DB70DBA9567}" type="datetimeFigureOut">
               <a:rPr lang="en-US" dirty="0"/>
               <a:pPr/>
-              <a:t>1/30/2020</a:t>
+              <a:t>7/23/2020</a:t>
             </a:fld>
             <a:endParaRPr lang="en-US" dirty="0"/>
           </a:p>
@@ -4302,7 +4302,7 @@
             <a:fld id="{B61BEF0D-F0BB-DE4B-95CE-6DB70DBA9567}" type="datetimeFigureOut">
               <a:rPr lang="en-US" dirty="0"/>
               <a:pPr/>
-              <a:t>1/30/2020</a:t>
+              <a:t>7/23/2020</a:t>
             </a:fld>
             <a:endParaRPr lang="en-US" dirty="0"/>
           </a:p>
@@ -4394,7 +4394,7 @@
             <a:fld id="{B61BEF0D-F0BB-DE4B-95CE-6DB70DBA9567}" type="datetimeFigureOut">
               <a:rPr lang="en-US" dirty="0"/>
               <a:pPr/>
-              <a:t>1/30/2020</a:t>
+              <a:t>7/23/2020</a:t>
             </a:fld>
             <a:endParaRPr lang="en-US" dirty="0"/>
           </a:p>
@@ -4645,7 +4645,7 @@
           <a:p>
             <a:fld id="{42A54C80-263E-416B-A8E0-580EDEADCBDC}" type="datetimeFigureOut">
               <a:rPr lang="en-US" dirty="0"/>
-              <a:t>1/30/2020</a:t>
+              <a:t>7/23/2020</a:t>
             </a:fld>
             <a:endParaRPr lang="en-US" dirty="0"/>
           </a:p>
@@ -4904,7 +4904,7 @@
             <a:fld id="{B61BEF0D-F0BB-DE4B-95CE-6DB70DBA9567}" type="datetimeFigureOut">
               <a:rPr lang="en-US" dirty="0"/>
               <a:pPr/>
-              <a:t>1/30/2020</a:t>
+              <a:t>7/23/2020</a:t>
             </a:fld>
             <a:endParaRPr lang="en-US" dirty="0"/>
           </a:p>
@@ -5644,7 +5644,7 @@
             <a:fld id="{B61BEF0D-F0BB-DE4B-95CE-6DB70DBA9567}" type="datetimeFigureOut">
               <a:rPr lang="en-US" dirty="0"/>
               <a:pPr/>
-              <a:t>1/30/2020</a:t>
+              <a:t>7/23/2020</a:t>
             </a:fld>
             <a:endParaRPr lang="en-US" dirty="0"/>
           </a:p>
@@ -6180,14 +6180,19 @@
             <p:ph type="ctrTitle"/>
           </p:nvPr>
         </p:nvSpPr>
-        <p:spPr/>
+        <p:spPr>
+          <a:xfrm>
+            <a:off x="1531130" y="3429000"/>
+            <a:ext cx="7766936" cy="1646302"/>
+          </a:xfrm>
+        </p:spPr>
         <p:txBody>
           <a:bodyPr/>
           <a:lstStyle/>
           <a:p>
             <a:r>
               <a:rPr lang="en-US" dirty="0"/>
-              <a:t>What is your favorite thing about our project or soon to be project?</a:t>
+              <a:t>Are you working on any projects in your spare time, programming or otherwise?</a:t>
             </a:r>
           </a:p>
         </p:txBody>
@@ -6273,7 +6278,7 @@
           <a:p>
             <a:r>
               <a:rPr lang="en-US" dirty="0"/>
-              <a:t>Chain of Responsibility</a:t>
+              <a:t>Template Method</a:t>
             </a:r>
           </a:p>
           <a:p>
@@ -6337,7 +6342,7 @@
           <a:p>
             <a:r>
               <a:rPr lang="en-US" dirty="0"/>
-              <a:t>Behavioral Patterns</a:t>
+              <a:t>Parts of the Pattern	</a:t>
             </a:r>
           </a:p>
         </p:txBody>
@@ -6365,41 +6370,53 @@
           <a:p>
             <a:r>
               <a:rPr lang="en-US" dirty="0"/>
-              <a:t>Not only describes the patterns of the objects or classes but the patterns of communication between them.</a:t>
-            </a:r>
-          </a:p>
-          <a:p>
-            <a:pPr lvl="1"/>
+              <a:t>The </a:t>
+            </a:r>
+            <a:r>
+              <a:rPr lang="en-US" b="1" dirty="0" err="1"/>
+              <a:t>AbstractClass</a:t>
+            </a:r>
             <a:r>
               <a:rPr lang="en-US" dirty="0"/>
-              <a:t>They characterize complex control flows that’s difficult to follow at runtime.</a:t>
-            </a:r>
-          </a:p>
-          <a:p>
-            <a:pPr lvl="1"/>
+              <a:t> defines the primitive operations that each subclass must implement, it defines the ‘skeleton’ of the algorithm which calls the primitive operations of the subclass and the methods defined on the </a:t>
+            </a:r>
+            <a:r>
+              <a:rPr lang="en-US" b="1" dirty="0" err="1"/>
+              <a:t>AbstractClass</a:t>
+            </a:r>
             <a:r>
               <a:rPr lang="en-US" dirty="0"/>
-              <a:t>Allows developers to focus less on the flow of control and more about the way objects are connected</a:t>
+              <a:t>. </a:t>
             </a:r>
           </a:p>
           <a:p>
             <a:r>
               <a:rPr lang="en-US" dirty="0"/>
-              <a:t>Uses inheritance rather to distribute behavior (ex: Define an abstract algorithm with common operations and leave it to the </a:t>
-            </a:r>
-            <a:r>
-              <a:rPr lang="en-US" dirty="0" err="1"/>
-              <a:t>sublclasses</a:t>
+              <a:t>The </a:t>
+            </a:r>
+            <a:r>
+              <a:rPr lang="en-US" b="1" dirty="0" err="1"/>
+              <a:t>ConcreteClass</a:t>
             </a:r>
             <a:r>
               <a:rPr lang="en-US" dirty="0"/>
-              <a:t> to define other operations) within classes</a:t>
-            </a:r>
-          </a:p>
-          <a:p>
+              <a:t> inherits off the </a:t>
+            </a:r>
+            <a:r>
+              <a:rPr lang="en-US" b="1" dirty="0" err="1"/>
+              <a:t>AbstractClass</a:t>
+            </a:r>
             <a:r>
               <a:rPr lang="en-US" dirty="0"/>
-              <a:t>Uses composition in order to describe how peer objects cooperator to perform a task that no single object can carry out by itself.</a:t>
+              <a:t> and must implement each primitive method defined by the </a:t>
+            </a:r>
+            <a:r>
+              <a:rPr lang="en-US" b="1" dirty="0" err="1"/>
+              <a:t>AbstractClass</a:t>
+            </a:r>
+            <a:r>
+              <a:rPr lang="en-US" dirty="0"/>
+              <a:t>. </a:t>
             </a:r>
           </a:p>
         </p:txBody>
@@ -6407,7 +6424,7 @@
     </p:spTree>
     <p:extLst>
       <p:ext uri="{BB962C8B-B14F-4D97-AF65-F5344CB8AC3E}">
-        <p14:creationId xmlns:p14="http://schemas.microsoft.com/office/powerpoint/2010/main" val="2061569790"/>
+        <p14:creationId xmlns:p14="http://schemas.microsoft.com/office/powerpoint/2010/main" val="2107916926"/>
       </p:ext>
     </p:extLst>
   </p:cSld>
@@ -6439,7 +6456,7 @@
           <p:cNvPr id="2" name="Title 1">
             <a:extLst>
               <a:ext uri="{FF2B5EF4-FFF2-40B4-BE49-F238E27FC236}">
-                <a16:creationId xmlns:a16="http://schemas.microsoft.com/office/drawing/2014/main" id="{2ECBD130-1D48-4AF3-A3A8-C5133E2A75A3}"/>
+                <a16:creationId xmlns:a16="http://schemas.microsoft.com/office/drawing/2014/main" id="{E78DD270-FACC-4F36-BE00-9FD249AE7418}"/>
               </a:ext>
             </a:extLst>
           </p:cNvPr>
@@ -6457,7 +6474,7 @@
           <a:p>
             <a:r>
               <a:rPr lang="en-US" dirty="0"/>
-              <a:t>Parts of the Pattern	</a:t>
+              <a:t>Consequences</a:t>
             </a:r>
           </a:p>
         </p:txBody>
@@ -6467,7 +6484,7 @@
           <p:cNvPr id="3" name="Content Placeholder 2">
             <a:extLst>
               <a:ext uri="{FF2B5EF4-FFF2-40B4-BE49-F238E27FC236}">
-                <a16:creationId xmlns:a16="http://schemas.microsoft.com/office/drawing/2014/main" id="{90753FE7-C125-47BF-A574-43D69C7586C9}"/>
+                <a16:creationId xmlns:a16="http://schemas.microsoft.com/office/drawing/2014/main" id="{381AE115-5FC6-4B16-BFEE-56C5A918191A}"/>
               </a:ext>
             </a:extLst>
           </p:cNvPr>
@@ -6485,15 +6502,46 @@
           <a:p>
             <a:r>
               <a:rPr lang="en-US" dirty="0"/>
-              <a:t>The </a:t>
-            </a:r>
-            <a:r>
-              <a:rPr lang="en-US" b="1" dirty="0"/>
-              <a:t>Handler</a:t>
+              <a:t>Leads to an ‘inverted control structure’, </a:t>
+            </a:r>
+            <a:r>
+              <a:rPr lang="en-US" dirty="0" err="1"/>
+              <a:t>a.k.a</a:t>
             </a:r>
             <a:r>
               <a:rPr lang="en-US" dirty="0"/>
-              <a:t> defines an interface for handling requests and implements the successor link.</a:t>
+              <a:t> “The Hollywood Principle” which means “Don’t call us, we’ll call you”</a:t>
+            </a:r>
+          </a:p>
+          <a:p>
+            <a:pPr lvl="1"/>
+            <a:r>
+              <a:rPr lang="en-US" dirty="0"/>
+              <a:t>Refers to which direction the classes are calling each other (</a:t>
+            </a:r>
+            <a:r>
+              <a:rPr lang="en-US" dirty="0" err="1"/>
+              <a:t>ie</a:t>
+            </a:r>
+            <a:r>
+              <a:rPr lang="en-US" dirty="0"/>
+              <a:t> the </a:t>
+            </a:r>
+            <a:r>
+              <a:rPr lang="en-US" b="1" dirty="0" err="1"/>
+              <a:t>AbstractClass</a:t>
+            </a:r>
+            <a:r>
+              <a:rPr lang="en-US" dirty="0"/>
+              <a:t> is calling the methods defined on the </a:t>
+            </a:r>
+            <a:r>
+              <a:rPr lang="en-US" b="1" dirty="0" err="1"/>
+              <a:t>ConcreteClass</a:t>
+            </a:r>
+            <a:r>
+              <a:rPr lang="en-US" dirty="0"/>
+              <a:t>)</a:t>
             </a:r>
           </a:p>
           <a:p>
@@ -6503,41 +6551,68 @@
             </a:r>
             <a:r>
               <a:rPr lang="en-US" b="1" dirty="0" err="1"/>
-              <a:t>ConcreteHandler</a:t>
+              <a:t>AbstractClass</a:t>
             </a:r>
             <a:r>
               <a:rPr lang="en-US" dirty="0"/>
-              <a:t> handles the request that it is responsible for and can access its successor. If the </a:t>
+              <a:t> defines each of these methods:</a:t>
+            </a:r>
+          </a:p>
+          <a:p>
+            <a:pPr lvl="1"/>
+            <a:r>
+              <a:rPr lang="en-US" dirty="0"/>
+              <a:t>Concrete Operations: The methods that are defined on the </a:t>
             </a:r>
             <a:r>
               <a:rPr lang="en-US" b="1" dirty="0" err="1"/>
-              <a:t>ConcrteHandler</a:t>
+              <a:t>AbstractClass</a:t>
             </a:r>
             <a:r>
               <a:rPr lang="en-US" dirty="0"/>
-              <a:t> can handle the request, it does so, otherwise it forwards the request to its successor.</a:t>
-            </a:r>
-          </a:p>
-          <a:p>
+              <a:t>, these methods should work for all </a:t>
+            </a:r>
+            <a:r>
+              <a:rPr lang="en-US" b="1" dirty="0" err="1"/>
+              <a:t>ConcreteClasses</a:t>
+            </a:r>
             <a:r>
               <a:rPr lang="en-US" dirty="0"/>
-              <a:t>The </a:t>
-            </a:r>
-            <a:r>
-              <a:rPr lang="en-US" b="1" dirty="0"/>
-              <a:t>Client</a:t>
-            </a:r>
+              <a:t>. </a:t>
+            </a:r>
+          </a:p>
+          <a:p>
+            <a:pPr lvl="1"/>
             <a:r>
               <a:rPr lang="en-US" dirty="0"/>
-              <a:t> initiates the request to a </a:t>
+              <a:t>Primitive Operations: The abstract methods that are to be implemented by each </a:t>
             </a:r>
             <a:r>
               <a:rPr lang="en-US" b="1" dirty="0" err="1"/>
-              <a:t>ConcreteHandler</a:t>
-            </a:r>
+              <a:t>ConcreteClass</a:t>
+            </a:r>
+            <a:endParaRPr lang="en-US" b="1" dirty="0"/>
+          </a:p>
+          <a:p>
+            <a:pPr lvl="1"/>
             <a:r>
               <a:rPr lang="en-US" dirty="0"/>
-              <a:t> object on the chain.</a:t>
+              <a:t>Factory Methods</a:t>
+            </a:r>
+          </a:p>
+          <a:p>
+            <a:pPr lvl="1"/>
+            <a:r>
+              <a:rPr lang="en-US" dirty="0"/>
+              <a:t>Hook Operations: Often does nothing by default, gives the ability to the </a:t>
+            </a:r>
+            <a:r>
+              <a:rPr lang="en-US" b="1" dirty="0" err="1"/>
+              <a:t>ConcreteClass</a:t>
+            </a:r>
+            <a:r>
+              <a:rPr lang="en-US" dirty="0"/>
+              <a:t> to override the default behavior. </a:t>
             </a:r>
           </a:p>
           <a:p>
@@ -6548,7 +6623,7 @@
     </p:spTree>
     <p:extLst>
       <p:ext uri="{BB962C8B-B14F-4D97-AF65-F5344CB8AC3E}">
-        <p14:creationId xmlns:p14="http://schemas.microsoft.com/office/powerpoint/2010/main" val="2107916926"/>
+        <p14:creationId xmlns:p14="http://schemas.microsoft.com/office/powerpoint/2010/main" val="3139150838"/>
       </p:ext>
     </p:extLst>
   </p:cSld>
@@ -6580,7 +6655,7 @@
           <p:cNvPr id="2" name="Title 1">
             <a:extLst>
               <a:ext uri="{FF2B5EF4-FFF2-40B4-BE49-F238E27FC236}">
-                <a16:creationId xmlns:a16="http://schemas.microsoft.com/office/drawing/2014/main" id="{E78DD270-FACC-4F36-BE00-9FD249AE7418}"/>
+                <a16:creationId xmlns:a16="http://schemas.microsoft.com/office/drawing/2014/main" id="{98535900-E848-4200-87F5-67A36E4CEA97}"/>
               </a:ext>
             </a:extLst>
           </p:cNvPr>
@@ -6598,7 +6673,7 @@
           <a:p>
             <a:r>
               <a:rPr lang="en-US" dirty="0"/>
-              <a:t>Consequences</a:t>
+              <a:t>Implementation Details</a:t>
             </a:r>
           </a:p>
         </p:txBody>
@@ -6608,7 +6683,7 @@
           <p:cNvPr id="3" name="Content Placeholder 2">
             <a:extLst>
               <a:ext uri="{FF2B5EF4-FFF2-40B4-BE49-F238E27FC236}">
-                <a16:creationId xmlns:a16="http://schemas.microsoft.com/office/drawing/2014/main" id="{381AE115-5FC6-4B16-BFEE-56C5A918191A}"/>
+                <a16:creationId xmlns:a16="http://schemas.microsoft.com/office/drawing/2014/main" id="{A3B4857A-A970-4084-B9A9-E850B9F8B065}"/>
               </a:ext>
             </a:extLst>
           </p:cNvPr>
@@ -6626,80 +6701,75 @@
           <a:p>
             <a:r>
               <a:rPr lang="en-US" dirty="0"/>
-              <a:t>Since the </a:t>
-            </a:r>
-            <a:r>
-              <a:rPr lang="en-US" b="1" dirty="0"/>
-              <a:t>Client</a:t>
+              <a:t>The primitive operations on the </a:t>
+            </a:r>
+            <a:r>
+              <a:rPr lang="en-US" b="1" dirty="0" err="1"/>
+              <a:t>AbstractClass</a:t>
             </a:r>
             <a:r>
               <a:rPr lang="en-US" dirty="0"/>
-              <a:t> has no explicit knowledge of the </a:t>
+              <a:t> may be defined as protected to prevent any use beyond the </a:t>
             </a:r>
             <a:r>
               <a:rPr lang="en-US" b="1" dirty="0" err="1"/>
-              <a:t>ConcreteHandler</a:t>
+              <a:t>AbstractClass</a:t>
             </a:r>
             <a:r>
               <a:rPr lang="en-US" dirty="0"/>
-              <a:t> that will handle it, we decouple the client from any implementation of the </a:t>
-            </a:r>
-            <a:r>
-              <a:rPr lang="en-US" b="1" dirty="0"/>
-              <a:t>Handler</a:t>
-            </a:r>
+              <a:t> and the </a:t>
+            </a:r>
+            <a:r>
+              <a:rPr lang="en-US" b="1" dirty="0" err="1"/>
+              <a:t>ConcreteClass</a:t>
+            </a:r>
+            <a:endParaRPr lang="en-US" b="1" dirty="0"/>
+          </a:p>
+          <a:p>
             <a:r>
               <a:rPr lang="en-US" dirty="0"/>
-              <a:t>, we also decouple each </a:t>
-            </a:r>
-            <a:r>
-              <a:rPr lang="en-US" b="1" dirty="0"/>
-              <a:t>Handler</a:t>
+              <a:t>Try to minimize the primitive operations that the </a:t>
+            </a:r>
+            <a:r>
+              <a:rPr lang="en-US" b="1" dirty="0" err="1"/>
+              <a:t>ConcreteClass</a:t>
             </a:r>
             <a:r>
               <a:rPr lang="en-US" dirty="0"/>
-              <a:t>’s implementation from one another since they have no knowledge of the other </a:t>
-            </a:r>
-            <a:r>
-              <a:rPr lang="en-US" b="1" dirty="0" err="1"/>
-              <a:t>ConcreteHandlers</a:t>
-            </a:r>
-            <a:endParaRPr lang="en-US" b="1" dirty="0"/>
+              <a:t> is required to implement to prevent tediosity. </a:t>
+            </a:r>
           </a:p>
           <a:p>
             <a:r>
               <a:rPr lang="en-US" dirty="0"/>
-              <a:t>Receipt isn’t guaranteed, since a request (and the </a:t>
-            </a:r>
-            <a:r>
-              <a:rPr lang="en-US" b="1" dirty="0"/>
-              <a:t>Client</a:t>
+              <a:t>Some standards can be put in place with regards to naming the primitive methods, for some frameworks prefix each primitive method with ‘Do’ (</a:t>
+            </a:r>
+            <a:r>
+              <a:rPr lang="en-US" dirty="0" err="1"/>
+              <a:t>ie</a:t>
             </a:r>
             <a:r>
               <a:rPr lang="en-US" dirty="0"/>
-              <a:t>) have no explicit reference to the receiver, there is no guarantee that the requests won't fall off the end of the chain without a </a:t>
-            </a:r>
-            <a:r>
-              <a:rPr lang="en-US" b="1" dirty="0" err="1"/>
-              <a:t>ConcreteHandler</a:t>
+              <a:t> </a:t>
+            </a:r>
+            <a:r>
+              <a:rPr lang="en-US" dirty="0" err="1"/>
+              <a:t>DoRead</a:t>
             </a:r>
             <a:r>
               <a:rPr lang="en-US" dirty="0"/>
-              <a:t> taking responsibility for handling it. </a:t>
-            </a:r>
-          </a:p>
-          <a:p>
-            <a:r>
-              <a:rPr lang="en-US" dirty="0"/>
-              <a:t>Can multiple or just one Handler contribute to handling the request? There seems to be conflicting information online</a:t>
-            </a:r>
+              <a:t>). </a:t>
+            </a:r>
+          </a:p>
+          <a:p>
+            <a:endParaRPr lang="en-US" dirty="0"/>
           </a:p>
         </p:txBody>
       </p:sp>
     </p:spTree>
     <p:extLst>
       <p:ext uri="{BB962C8B-B14F-4D97-AF65-F5344CB8AC3E}">
-        <p14:creationId xmlns:p14="http://schemas.microsoft.com/office/powerpoint/2010/main" val="3139150838"/>
+        <p14:creationId xmlns:p14="http://schemas.microsoft.com/office/powerpoint/2010/main" val="2472482461"/>
       </p:ext>
     </p:extLst>
   </p:cSld>
